--- a/SpartanCove.pptx
+++ b/SpartanCove.pptx
@@ -19,6 +19,9 @@
     <p:sldId id="264" r:id="rId14"/>
     <p:sldId id="265" r:id="rId15"/>
     <p:sldId id="266" r:id="rId16"/>
+    <p:sldId id="267" r:id="rId17"/>
+    <p:sldId id="268" r:id="rId18"/>
+    <p:sldId id="269" r:id="rId19"/>
   </p:sldIdLst>
   <p:sldSz cy="5143500" cx="9144000"/>
   <p:notesSz cx="6858000" cy="9144000"/>
@@ -949,6 +952,303 @@
       <p:sp>
         <p:nvSpPr>
           <p:cNvPr id="114" name="Google Shape;114;g31c7b846c33_3_66:notes"/>
+          <p:cNvSpPr txBox="1"/>
+          <p:nvPr>
+            <p:ph idx="1" type="body"/>
+          </p:nvPr>
+        </p:nvSpPr>
+        <p:spPr>
+          <a:xfrm>
+            <a:off x="685800" y="4343400"/>
+            <a:ext cx="5486400" cy="4114800"/>
+          </a:xfrm>
+          <a:prstGeom prst="rect">
+            <a:avLst/>
+          </a:prstGeom>
+        </p:spPr>
+        <p:txBody>
+          <a:bodyPr anchorCtr="0" anchor="t" bIns="91425" lIns="91425" spcFirstLastPara="1" rIns="91425" wrap="square" tIns="91425">
+            <a:noAutofit/>
+          </a:bodyPr>
+          <a:lstStyle/>
+          <a:p>
+            <a:pPr indent="0" lvl="0" marL="0" rtl="0" algn="l">
+              <a:spcBef>
+                <a:spcPts val="0"/>
+              </a:spcBef>
+              <a:spcAft>
+                <a:spcPts val="0"/>
+              </a:spcAft>
+              <a:buNone/>
+            </a:pPr>
+            <a:r>
+              <a:t/>
+            </a:r>
+            <a:endParaRPr/>
+          </a:p>
+        </p:txBody>
+      </p:sp>
+    </p:spTree>
+  </p:cSld>
+  <p:clrMapOvr>
+    <a:masterClrMapping/>
+  </p:clrMapOvr>
+</p:notes>
+</file>
+
+<file path=ppt/notesSlides/notesSlide12.xml><?xml version="1.0" encoding="utf-8"?>
+<p:notes xmlns:a="http://schemas.openxmlformats.org/drawingml/2006/main" xmlns:r="http://schemas.openxmlformats.org/officeDocument/2006/relationships" xmlns:mc="http://schemas.openxmlformats.org/markup-compatibility/2006" xmlns:mv="urn:schemas-microsoft-com:mac:vml" xmlns:p="http://schemas.openxmlformats.org/presentationml/2006/main" xmlns:c="http://schemas.openxmlformats.org/drawingml/2006/chart" xmlns:dgm="http://schemas.openxmlformats.org/drawingml/2006/diagram" xmlns:o="urn:schemas-microsoft-com:office:office" xmlns:v="urn:schemas-microsoft-com:vml" xmlns:pvml="urn:schemas-microsoft-com:office:powerpoint" xmlns:com="http://schemas.openxmlformats.org/drawingml/2006/compatibility" xmlns:p14="http://schemas.microsoft.com/office/powerpoint/2010/main" xmlns:p15="http://schemas.microsoft.com/office/powerpoint/2012/main" xmlns:ahyp="http://schemas.microsoft.com/office/drawing/2018/hyperlinkcolor" showMasterPhAnim="0" showMasterSp="0">
+  <p:cSld>
+    <p:spTree>
+      <p:nvGrpSpPr>
+        <p:cNvPr id="118" name="Shape 118"/>
+        <p:cNvGrpSpPr/>
+        <p:nvPr/>
+      </p:nvGrpSpPr>
+      <p:grpSpPr>
+        <a:xfrm>
+          <a:off x="0" y="0"/>
+          <a:ext cx="0" cy="0"/>
+          <a:chOff x="0" y="0"/>
+          <a:chExt cx="0" cy="0"/>
+        </a:xfrm>
+      </p:grpSpPr>
+      <p:sp>
+        <p:nvSpPr>
+          <p:cNvPr id="119" name="Google Shape;119;g321a9a0f832_0_10:notes"/>
+          <p:cNvSpPr/>
+          <p:nvPr>
+            <p:ph idx="2" type="sldImg"/>
+          </p:nvPr>
+        </p:nvSpPr>
+        <p:spPr>
+          <a:xfrm>
+            <a:off x="381300" y="685800"/>
+            <a:ext cx="6096000" cy="3429000"/>
+          </a:xfrm>
+          <a:custGeom>
+            <a:rect b="b" l="l" r="r" t="t"/>
+            <a:pathLst>
+              <a:path extrusionOk="0" h="120000" w="120000">
+                <a:moveTo>
+                  <a:pt x="0" y="0"/>
+                </a:moveTo>
+                <a:lnTo>
+                  <a:pt x="120000" y="0"/>
+                </a:lnTo>
+                <a:lnTo>
+                  <a:pt x="120000" y="120000"/>
+                </a:lnTo>
+                <a:lnTo>
+                  <a:pt x="0" y="120000"/>
+                </a:lnTo>
+                <a:close/>
+              </a:path>
+            </a:pathLst>
+          </a:custGeom>
+        </p:spPr>
+      </p:sp>
+      <p:sp>
+        <p:nvSpPr>
+          <p:cNvPr id="120" name="Google Shape;120;g321a9a0f832_0_10:notes"/>
+          <p:cNvSpPr txBox="1"/>
+          <p:nvPr>
+            <p:ph idx="1" type="body"/>
+          </p:nvPr>
+        </p:nvSpPr>
+        <p:spPr>
+          <a:xfrm>
+            <a:off x="685800" y="4343400"/>
+            <a:ext cx="5486400" cy="4114800"/>
+          </a:xfrm>
+          <a:prstGeom prst="rect">
+            <a:avLst/>
+          </a:prstGeom>
+        </p:spPr>
+        <p:txBody>
+          <a:bodyPr anchorCtr="0" anchor="t" bIns="91425" lIns="91425" spcFirstLastPara="1" rIns="91425" wrap="square" tIns="91425">
+            <a:noAutofit/>
+          </a:bodyPr>
+          <a:lstStyle/>
+          <a:p>
+            <a:pPr indent="0" lvl="0" marL="0" rtl="0" algn="l">
+              <a:spcBef>
+                <a:spcPts val="0"/>
+              </a:spcBef>
+              <a:spcAft>
+                <a:spcPts val="0"/>
+              </a:spcAft>
+              <a:buNone/>
+            </a:pPr>
+            <a:r>
+              <a:t/>
+            </a:r>
+            <a:endParaRPr/>
+          </a:p>
+        </p:txBody>
+      </p:sp>
+    </p:spTree>
+  </p:cSld>
+  <p:clrMapOvr>
+    <a:masterClrMapping/>
+  </p:clrMapOvr>
+</p:notes>
+</file>
+
+<file path=ppt/notesSlides/notesSlide13.xml><?xml version="1.0" encoding="utf-8"?>
+<p:notes xmlns:a="http://schemas.openxmlformats.org/drawingml/2006/main" xmlns:r="http://schemas.openxmlformats.org/officeDocument/2006/relationships" xmlns:mc="http://schemas.openxmlformats.org/markup-compatibility/2006" xmlns:mv="urn:schemas-microsoft-com:mac:vml" xmlns:p="http://schemas.openxmlformats.org/presentationml/2006/main" xmlns:c="http://schemas.openxmlformats.org/drawingml/2006/chart" xmlns:dgm="http://schemas.openxmlformats.org/drawingml/2006/diagram" xmlns:o="urn:schemas-microsoft-com:office:office" xmlns:v="urn:schemas-microsoft-com:vml" xmlns:pvml="urn:schemas-microsoft-com:office:powerpoint" xmlns:com="http://schemas.openxmlformats.org/drawingml/2006/compatibility" xmlns:p14="http://schemas.microsoft.com/office/powerpoint/2010/main" xmlns:p15="http://schemas.microsoft.com/office/powerpoint/2012/main" xmlns:ahyp="http://schemas.microsoft.com/office/drawing/2018/hyperlinkcolor" showMasterPhAnim="0" showMasterSp="0">
+  <p:cSld>
+    <p:spTree>
+      <p:nvGrpSpPr>
+        <p:cNvPr id="124" name="Shape 124"/>
+        <p:cNvGrpSpPr/>
+        <p:nvPr/>
+      </p:nvGrpSpPr>
+      <p:grpSpPr>
+        <a:xfrm>
+          <a:off x="0" y="0"/>
+          <a:ext cx="0" cy="0"/>
+          <a:chOff x="0" y="0"/>
+          <a:chExt cx="0" cy="0"/>
+        </a:xfrm>
+      </p:grpSpPr>
+      <p:sp>
+        <p:nvSpPr>
+          <p:cNvPr id="125" name="Google Shape;125;g321a9a0f832_0_0:notes"/>
+          <p:cNvSpPr/>
+          <p:nvPr>
+            <p:ph idx="2" type="sldImg"/>
+          </p:nvPr>
+        </p:nvSpPr>
+        <p:spPr>
+          <a:xfrm>
+            <a:off x="381300" y="685800"/>
+            <a:ext cx="6096000" cy="3429000"/>
+          </a:xfrm>
+          <a:custGeom>
+            <a:rect b="b" l="l" r="r" t="t"/>
+            <a:pathLst>
+              <a:path extrusionOk="0" h="120000" w="120000">
+                <a:moveTo>
+                  <a:pt x="0" y="0"/>
+                </a:moveTo>
+                <a:lnTo>
+                  <a:pt x="120000" y="0"/>
+                </a:lnTo>
+                <a:lnTo>
+                  <a:pt x="120000" y="120000"/>
+                </a:lnTo>
+                <a:lnTo>
+                  <a:pt x="0" y="120000"/>
+                </a:lnTo>
+                <a:close/>
+              </a:path>
+            </a:pathLst>
+          </a:custGeom>
+        </p:spPr>
+      </p:sp>
+      <p:sp>
+        <p:nvSpPr>
+          <p:cNvPr id="126" name="Google Shape;126;g321a9a0f832_0_0:notes"/>
+          <p:cNvSpPr txBox="1"/>
+          <p:nvPr>
+            <p:ph idx="1" type="body"/>
+          </p:nvPr>
+        </p:nvSpPr>
+        <p:spPr>
+          <a:xfrm>
+            <a:off x="685800" y="4343400"/>
+            <a:ext cx="5486400" cy="4114800"/>
+          </a:xfrm>
+          <a:prstGeom prst="rect">
+            <a:avLst/>
+          </a:prstGeom>
+        </p:spPr>
+        <p:txBody>
+          <a:bodyPr anchorCtr="0" anchor="t" bIns="91425" lIns="91425" spcFirstLastPara="1" rIns="91425" wrap="square" tIns="91425">
+            <a:noAutofit/>
+          </a:bodyPr>
+          <a:lstStyle/>
+          <a:p>
+            <a:pPr indent="0" lvl="0" marL="0" rtl="0" algn="l">
+              <a:spcBef>
+                <a:spcPts val="0"/>
+              </a:spcBef>
+              <a:spcAft>
+                <a:spcPts val="0"/>
+              </a:spcAft>
+              <a:buNone/>
+            </a:pPr>
+            <a:r>
+              <a:t/>
+            </a:r>
+            <a:endParaRPr/>
+          </a:p>
+        </p:txBody>
+      </p:sp>
+    </p:spTree>
+  </p:cSld>
+  <p:clrMapOvr>
+    <a:masterClrMapping/>
+  </p:clrMapOvr>
+</p:notes>
+</file>
+
+<file path=ppt/notesSlides/notesSlide14.xml><?xml version="1.0" encoding="utf-8"?>
+<p:notes xmlns:a="http://schemas.openxmlformats.org/drawingml/2006/main" xmlns:r="http://schemas.openxmlformats.org/officeDocument/2006/relationships" xmlns:mc="http://schemas.openxmlformats.org/markup-compatibility/2006" xmlns:mv="urn:schemas-microsoft-com:mac:vml" xmlns:p="http://schemas.openxmlformats.org/presentationml/2006/main" xmlns:c="http://schemas.openxmlformats.org/drawingml/2006/chart" xmlns:dgm="http://schemas.openxmlformats.org/drawingml/2006/diagram" xmlns:o="urn:schemas-microsoft-com:office:office" xmlns:v="urn:schemas-microsoft-com:vml" xmlns:pvml="urn:schemas-microsoft-com:office:powerpoint" xmlns:com="http://schemas.openxmlformats.org/drawingml/2006/compatibility" xmlns:p14="http://schemas.microsoft.com/office/powerpoint/2010/main" xmlns:p15="http://schemas.microsoft.com/office/powerpoint/2012/main" xmlns:ahyp="http://schemas.microsoft.com/office/drawing/2018/hyperlinkcolor" showMasterPhAnim="0" showMasterSp="0">
+  <p:cSld>
+    <p:spTree>
+      <p:nvGrpSpPr>
+        <p:cNvPr id="130" name="Shape 130"/>
+        <p:cNvGrpSpPr/>
+        <p:nvPr/>
+      </p:nvGrpSpPr>
+      <p:grpSpPr>
+        <a:xfrm>
+          <a:off x="0" y="0"/>
+          <a:ext cx="0" cy="0"/>
+          <a:chOff x="0" y="0"/>
+          <a:chExt cx="0" cy="0"/>
+        </a:xfrm>
+      </p:grpSpPr>
+      <p:sp>
+        <p:nvSpPr>
+          <p:cNvPr id="131" name="Google Shape;131;g321a9a0f832_0_17:notes"/>
+          <p:cNvSpPr/>
+          <p:nvPr>
+            <p:ph idx="2" type="sldImg"/>
+          </p:nvPr>
+        </p:nvSpPr>
+        <p:spPr>
+          <a:xfrm>
+            <a:off x="381300" y="685800"/>
+            <a:ext cx="6096000" cy="3429000"/>
+          </a:xfrm>
+          <a:custGeom>
+            <a:rect b="b" l="l" r="r" t="t"/>
+            <a:pathLst>
+              <a:path extrusionOk="0" h="120000" w="120000">
+                <a:moveTo>
+                  <a:pt x="0" y="0"/>
+                </a:moveTo>
+                <a:lnTo>
+                  <a:pt x="120000" y="0"/>
+                </a:lnTo>
+                <a:lnTo>
+                  <a:pt x="120000" y="120000"/>
+                </a:lnTo>
+                <a:lnTo>
+                  <a:pt x="0" y="120000"/>
+                </a:lnTo>
+                <a:close/>
+              </a:path>
+            </a:pathLst>
+          </a:custGeom>
+        </p:spPr>
+      </p:sp>
+      <p:sp>
+        <p:nvSpPr>
+          <p:cNvPr id="132" name="Google Shape;132;g321a9a0f832_0_17:notes"/>
           <p:cNvSpPr txBox="1"/>
           <p:nvPr>
             <p:ph idx="1" type="body"/>
@@ -6959,6 +7259,696 @@
 </p:sld>
 </file>
 
+<file path=ppt/slides/slide12.xml><?xml version="1.0" encoding="utf-8"?>
+<p:sld xmlns:a="http://schemas.openxmlformats.org/drawingml/2006/main" xmlns:r="http://schemas.openxmlformats.org/officeDocument/2006/relationships" xmlns:mc="http://schemas.openxmlformats.org/markup-compatibility/2006" xmlns:mv="urn:schemas-microsoft-com:mac:vml" xmlns:p="http://schemas.openxmlformats.org/presentationml/2006/main" xmlns:c="http://schemas.openxmlformats.org/drawingml/2006/chart" xmlns:dgm="http://schemas.openxmlformats.org/drawingml/2006/diagram" xmlns:o="urn:schemas-microsoft-com:office:office" xmlns:v="urn:schemas-microsoft-com:vml" xmlns:pvml="urn:schemas-microsoft-com:office:powerpoint" xmlns:com="http://schemas.openxmlformats.org/drawingml/2006/compatibility" xmlns:p14="http://schemas.microsoft.com/office/powerpoint/2010/main" xmlns:p15="http://schemas.microsoft.com/office/powerpoint/2012/main" xmlns:ahyp="http://schemas.microsoft.com/office/drawing/2018/hyperlinkcolor">
+  <p:cSld>
+    <p:spTree>
+      <p:nvGrpSpPr>
+        <p:cNvPr id="121" name="Shape 121"/>
+        <p:cNvGrpSpPr/>
+        <p:nvPr/>
+      </p:nvGrpSpPr>
+      <p:grpSpPr>
+        <a:xfrm>
+          <a:off x="0" y="0"/>
+          <a:ext cx="0" cy="0"/>
+          <a:chOff x="0" y="0"/>
+          <a:chExt cx="0" cy="0"/>
+        </a:xfrm>
+      </p:grpSpPr>
+      <p:sp>
+        <p:nvSpPr>
+          <p:cNvPr id="122" name="Google Shape;122;p24"/>
+          <p:cNvSpPr txBox="1"/>
+          <p:nvPr>
+            <p:ph type="title"/>
+          </p:nvPr>
+        </p:nvSpPr>
+        <p:spPr>
+          <a:xfrm>
+            <a:off x="311700" y="445025"/>
+            <a:ext cx="8520600" cy="572700"/>
+          </a:xfrm>
+          <a:prstGeom prst="rect">
+            <a:avLst/>
+          </a:prstGeom>
+        </p:spPr>
+        <p:txBody>
+          <a:bodyPr anchorCtr="0" anchor="t" bIns="91425" lIns="91425" spcFirstLastPara="1" rIns="91425" wrap="square" tIns="91425">
+            <a:normAutofit fontScale="90000"/>
+          </a:bodyPr>
+          <a:lstStyle/>
+          <a:p>
+            <a:pPr indent="0" lvl="0" marL="0" rtl="0" algn="l">
+              <a:spcBef>
+                <a:spcPts val="0"/>
+              </a:spcBef>
+              <a:spcAft>
+                <a:spcPts val="0"/>
+              </a:spcAft>
+              <a:buNone/>
+            </a:pPr>
+            <a:r>
+              <a:rPr lang="en"/>
+              <a:t>Challenges Faced</a:t>
+            </a:r>
+            <a:endParaRPr/>
+          </a:p>
+        </p:txBody>
+      </p:sp>
+      <p:sp>
+        <p:nvSpPr>
+          <p:cNvPr id="123" name="Google Shape;123;p24"/>
+          <p:cNvSpPr txBox="1"/>
+          <p:nvPr>
+            <p:ph idx="1" type="body"/>
+          </p:nvPr>
+        </p:nvSpPr>
+        <p:spPr>
+          <a:xfrm>
+            <a:off x="311700" y="1152475"/>
+            <a:ext cx="8520600" cy="3416400"/>
+          </a:xfrm>
+          <a:prstGeom prst="rect">
+            <a:avLst/>
+          </a:prstGeom>
+        </p:spPr>
+        <p:txBody>
+          <a:bodyPr anchorCtr="0" anchor="t" bIns="91425" lIns="91425" spcFirstLastPara="1" rIns="91425" wrap="square" tIns="91425">
+            <a:normAutofit/>
+          </a:bodyPr>
+          <a:lstStyle/>
+          <a:p>
+            <a:pPr indent="-342900" lvl="0" marL="457200" rtl="0" algn="l">
+              <a:spcBef>
+                <a:spcPts val="0"/>
+              </a:spcBef>
+              <a:spcAft>
+                <a:spcPts val="0"/>
+              </a:spcAft>
+              <a:buSzPts val="1800"/>
+              <a:buAutoNum type="arabicPeriod"/>
+            </a:pPr>
+            <a:r>
+              <a:rPr lang="en"/>
+              <a:t>Integration with AI  to get real time info: </a:t>
+            </a:r>
+            <a:endParaRPr/>
+          </a:p>
+          <a:p>
+            <a:pPr indent="-317500" lvl="1" marL="914400" rtl="0" algn="l">
+              <a:spcBef>
+                <a:spcPts val="0"/>
+              </a:spcBef>
+              <a:spcAft>
+                <a:spcPts val="0"/>
+              </a:spcAft>
+              <a:buSzPts val="1400"/>
+              <a:buChar char="○"/>
+            </a:pPr>
+            <a:r>
+              <a:rPr lang="en"/>
+              <a:t>we tried multiple AI model but very few could actually give real time updated information. We tried applied few shot inference on chatgpt model but Grok performed overall better than other models</a:t>
+            </a:r>
+            <a:endParaRPr/>
+          </a:p>
+          <a:p>
+            <a:pPr indent="-342900" lvl="0" marL="457200" rtl="0" algn="l">
+              <a:spcBef>
+                <a:spcPts val="0"/>
+              </a:spcBef>
+              <a:spcAft>
+                <a:spcPts val="0"/>
+              </a:spcAft>
+              <a:buSzPts val="1800"/>
+              <a:buAutoNum type="arabicPeriod"/>
+            </a:pPr>
+            <a:r>
+              <a:rPr lang="en"/>
+              <a:t>Data Privacy and Security:</a:t>
+            </a:r>
+            <a:endParaRPr/>
+          </a:p>
+          <a:p>
+            <a:pPr indent="-317500" lvl="1" marL="914400" rtl="0" algn="l">
+              <a:spcBef>
+                <a:spcPts val="0"/>
+              </a:spcBef>
+              <a:spcAft>
+                <a:spcPts val="0"/>
+              </a:spcAft>
+              <a:buSzPts val="1400"/>
+              <a:buChar char="○"/>
+            </a:pPr>
+            <a:r>
+              <a:rPr lang="en"/>
+              <a:t>We were facing challenges on filter user with just SJSU email id, later it was fixed with just a simple check on email string </a:t>
+            </a:r>
+            <a:endParaRPr/>
+          </a:p>
+          <a:p>
+            <a:pPr indent="-342900" lvl="0" marL="457200" rtl="0" algn="l">
+              <a:spcBef>
+                <a:spcPts val="0"/>
+              </a:spcBef>
+              <a:spcAft>
+                <a:spcPts val="0"/>
+              </a:spcAft>
+              <a:buSzPts val="1800"/>
+              <a:buAutoNum type="arabicPeriod"/>
+            </a:pPr>
+            <a:r>
+              <a:rPr lang="en"/>
+              <a:t>Real-time Communication:</a:t>
+            </a:r>
+            <a:endParaRPr/>
+          </a:p>
+          <a:p>
+            <a:pPr indent="-317500" lvl="1" marL="914400" rtl="0" algn="l">
+              <a:spcBef>
+                <a:spcPts val="0"/>
+              </a:spcBef>
+              <a:spcAft>
+                <a:spcPts val="0"/>
+              </a:spcAft>
+              <a:buSzPts val="1400"/>
+              <a:buChar char="○"/>
+            </a:pPr>
+            <a:r>
+              <a:rPr lang="en"/>
+              <a:t>Developing a reliable real-time communication system required careful consideration of scalability and performance issues, particularly under high loads.</a:t>
+            </a:r>
+            <a:endParaRPr/>
+          </a:p>
+        </p:txBody>
+      </p:sp>
+    </p:spTree>
+  </p:cSld>
+  <p:clrMapOvr>
+    <a:masterClrMapping/>
+  </p:clrMapOvr>
+</p:sld>
+</file>
+
+<file path=ppt/slides/slide13.xml><?xml version="1.0" encoding="utf-8"?>
+<p:sld xmlns:a="http://schemas.openxmlformats.org/drawingml/2006/main" xmlns:r="http://schemas.openxmlformats.org/officeDocument/2006/relationships" xmlns:mc="http://schemas.openxmlformats.org/markup-compatibility/2006" xmlns:mv="urn:schemas-microsoft-com:mac:vml" xmlns:p="http://schemas.openxmlformats.org/presentationml/2006/main" xmlns:c="http://schemas.openxmlformats.org/drawingml/2006/chart" xmlns:dgm="http://schemas.openxmlformats.org/drawingml/2006/diagram" xmlns:o="urn:schemas-microsoft-com:office:office" xmlns:v="urn:schemas-microsoft-com:vml" xmlns:pvml="urn:schemas-microsoft-com:office:powerpoint" xmlns:com="http://schemas.openxmlformats.org/drawingml/2006/compatibility" xmlns:p14="http://schemas.microsoft.com/office/powerpoint/2010/main" xmlns:p15="http://schemas.microsoft.com/office/powerpoint/2012/main" xmlns:ahyp="http://schemas.microsoft.com/office/drawing/2018/hyperlinkcolor">
+  <p:cSld>
+    <p:spTree>
+      <p:nvGrpSpPr>
+        <p:cNvPr id="127" name="Shape 127"/>
+        <p:cNvGrpSpPr/>
+        <p:nvPr/>
+      </p:nvGrpSpPr>
+      <p:grpSpPr>
+        <a:xfrm>
+          <a:off x="0" y="0"/>
+          <a:ext cx="0" cy="0"/>
+          <a:chOff x="0" y="0"/>
+          <a:chExt cx="0" cy="0"/>
+        </a:xfrm>
+      </p:grpSpPr>
+      <p:sp>
+        <p:nvSpPr>
+          <p:cNvPr id="128" name="Google Shape;128;p25"/>
+          <p:cNvSpPr txBox="1"/>
+          <p:nvPr>
+            <p:ph type="title"/>
+          </p:nvPr>
+        </p:nvSpPr>
+        <p:spPr>
+          <a:xfrm>
+            <a:off x="311700" y="445025"/>
+            <a:ext cx="8520600" cy="572700"/>
+          </a:xfrm>
+          <a:prstGeom prst="rect">
+            <a:avLst/>
+          </a:prstGeom>
+        </p:spPr>
+        <p:txBody>
+          <a:bodyPr anchorCtr="0" anchor="t" bIns="91425" lIns="91425" spcFirstLastPara="1" rIns="91425" wrap="square" tIns="91425">
+            <a:normAutofit fontScale="90000"/>
+          </a:bodyPr>
+          <a:lstStyle/>
+          <a:p>
+            <a:pPr indent="0" lvl="0" marL="0" rtl="0" algn="l">
+              <a:spcBef>
+                <a:spcPts val="0"/>
+              </a:spcBef>
+              <a:spcAft>
+                <a:spcPts val="0"/>
+              </a:spcAft>
+              <a:buClr>
+                <a:schemeClr val="dk1"/>
+              </a:buClr>
+              <a:buSzPct val="39285"/>
+              <a:buFont typeface="Arial"/>
+              <a:buNone/>
+            </a:pPr>
+            <a:r>
+              <a:rPr lang="en"/>
+              <a:t>Future Work</a:t>
+            </a:r>
+            <a:endParaRPr/>
+          </a:p>
+          <a:p>
+            <a:pPr indent="0" lvl="0" marL="0" rtl="0" algn="l">
+              <a:spcBef>
+                <a:spcPts val="0"/>
+              </a:spcBef>
+              <a:spcAft>
+                <a:spcPts val="0"/>
+              </a:spcAft>
+              <a:buClr>
+                <a:schemeClr val="dk1"/>
+              </a:buClr>
+              <a:buSzPct val="39285"/>
+              <a:buFont typeface="Arial"/>
+              <a:buNone/>
+            </a:pPr>
+            <a:r>
+              <a:t/>
+            </a:r>
+            <a:endParaRPr/>
+          </a:p>
+          <a:p>
+            <a:pPr indent="0" lvl="0" marL="0" rtl="0" algn="l">
+              <a:spcBef>
+                <a:spcPts val="0"/>
+              </a:spcBef>
+              <a:spcAft>
+                <a:spcPts val="0"/>
+              </a:spcAft>
+              <a:buNone/>
+            </a:pPr>
+            <a:r>
+              <a:t/>
+            </a:r>
+            <a:endParaRPr/>
+          </a:p>
+        </p:txBody>
+      </p:sp>
+      <p:sp>
+        <p:nvSpPr>
+          <p:cNvPr id="129" name="Google Shape;129;p25"/>
+          <p:cNvSpPr txBox="1"/>
+          <p:nvPr>
+            <p:ph idx="1" type="body"/>
+          </p:nvPr>
+        </p:nvSpPr>
+        <p:spPr>
+          <a:xfrm>
+            <a:off x="311700" y="1152475"/>
+            <a:ext cx="8520600" cy="3416400"/>
+          </a:xfrm>
+          <a:prstGeom prst="rect">
+            <a:avLst/>
+          </a:prstGeom>
+        </p:spPr>
+        <p:txBody>
+          <a:bodyPr anchorCtr="0" anchor="t" bIns="91425" lIns="91425" spcFirstLastPara="1" rIns="91425" wrap="square" tIns="91425">
+            <a:normAutofit/>
+          </a:bodyPr>
+          <a:lstStyle/>
+          <a:p>
+            <a:pPr indent="-311150" lvl="0" marL="457200" rtl="0" algn="l">
+              <a:spcBef>
+                <a:spcPts val="1200"/>
+              </a:spcBef>
+              <a:spcAft>
+                <a:spcPts val="0"/>
+              </a:spcAft>
+              <a:buClr>
+                <a:schemeClr val="dk1"/>
+              </a:buClr>
+              <a:buSzPts val="1300"/>
+              <a:buAutoNum type="arabicPeriod"/>
+            </a:pPr>
+            <a:r>
+              <a:rPr b="1" lang="en" sz="1300">
+                <a:solidFill>
+                  <a:schemeClr val="dk1"/>
+                </a:solidFill>
+              </a:rPr>
+              <a:t>Enhanced AI Capabilities:</a:t>
+            </a:r>
+            <a:endParaRPr b="1" sz="1300">
+              <a:solidFill>
+                <a:schemeClr val="dk1"/>
+              </a:solidFill>
+            </a:endParaRPr>
+          </a:p>
+          <a:p>
+            <a:pPr indent="-311150" lvl="1" marL="914400" rtl="0" algn="l">
+              <a:spcBef>
+                <a:spcPts val="0"/>
+              </a:spcBef>
+              <a:spcAft>
+                <a:spcPts val="0"/>
+              </a:spcAft>
+              <a:buClr>
+                <a:schemeClr val="dk1"/>
+              </a:buClr>
+              <a:buSzPts val="1300"/>
+              <a:buChar char="○"/>
+            </a:pPr>
+            <a:r>
+              <a:rPr lang="en" sz="1300">
+                <a:solidFill>
+                  <a:schemeClr val="dk1"/>
+                </a:solidFill>
+              </a:rPr>
+              <a:t>Implement more advanced AI features such as personalized learning paths, predictive analytics for student performance, and integration with additional university services.</a:t>
+            </a:r>
+            <a:endParaRPr sz="1300">
+              <a:solidFill>
+                <a:schemeClr val="dk1"/>
+              </a:solidFill>
+            </a:endParaRPr>
+          </a:p>
+          <a:p>
+            <a:pPr indent="-311150" lvl="0" marL="457200" rtl="0" algn="l">
+              <a:spcBef>
+                <a:spcPts val="0"/>
+              </a:spcBef>
+              <a:spcAft>
+                <a:spcPts val="0"/>
+              </a:spcAft>
+              <a:buClr>
+                <a:schemeClr val="dk1"/>
+              </a:buClr>
+              <a:buSzPts val="1300"/>
+              <a:buAutoNum type="arabicPeriod"/>
+            </a:pPr>
+            <a:r>
+              <a:rPr b="1" lang="en" sz="1300">
+                <a:solidFill>
+                  <a:schemeClr val="dk1"/>
+                </a:solidFill>
+              </a:rPr>
+              <a:t>Mobile Application Development:</a:t>
+            </a:r>
+            <a:endParaRPr b="1" sz="1300">
+              <a:solidFill>
+                <a:schemeClr val="dk1"/>
+              </a:solidFill>
+            </a:endParaRPr>
+          </a:p>
+          <a:p>
+            <a:pPr indent="-311150" lvl="1" marL="914400" rtl="0" algn="l">
+              <a:spcBef>
+                <a:spcPts val="0"/>
+              </a:spcBef>
+              <a:spcAft>
+                <a:spcPts val="0"/>
+              </a:spcAft>
+              <a:buClr>
+                <a:schemeClr val="dk1"/>
+              </a:buClr>
+              <a:buSzPts val="1300"/>
+              <a:buChar char="○"/>
+            </a:pPr>
+            <a:r>
+              <a:rPr lang="en" sz="1300">
+                <a:solidFill>
+                  <a:schemeClr val="dk1"/>
+                </a:solidFill>
+              </a:rPr>
+              <a:t>Develop a native mobile application to provide a more seamless user experience on smartphones and tablets.</a:t>
+            </a:r>
+            <a:endParaRPr sz="1300">
+              <a:solidFill>
+                <a:schemeClr val="dk1"/>
+              </a:solidFill>
+            </a:endParaRPr>
+          </a:p>
+          <a:p>
+            <a:pPr indent="-311150" lvl="0" marL="457200" rtl="0" algn="l">
+              <a:spcBef>
+                <a:spcPts val="0"/>
+              </a:spcBef>
+              <a:spcAft>
+                <a:spcPts val="0"/>
+              </a:spcAft>
+              <a:buClr>
+                <a:schemeClr val="dk1"/>
+              </a:buClr>
+              <a:buSzPts val="1300"/>
+              <a:buAutoNum type="arabicPeriod"/>
+            </a:pPr>
+            <a:r>
+              <a:rPr b="1" lang="en" sz="1300">
+                <a:solidFill>
+                  <a:schemeClr val="dk1"/>
+                </a:solidFill>
+              </a:rPr>
+              <a:t>Integrating Google Podcast AI on a huddle ( voice room ):</a:t>
+            </a:r>
+            <a:endParaRPr b="1" sz="1300">
+              <a:solidFill>
+                <a:schemeClr val="dk1"/>
+              </a:solidFill>
+            </a:endParaRPr>
+          </a:p>
+          <a:p>
+            <a:pPr indent="-311150" lvl="1" marL="914400" rtl="0" algn="l">
+              <a:spcBef>
+                <a:spcPts val="0"/>
+              </a:spcBef>
+              <a:spcAft>
+                <a:spcPts val="0"/>
+              </a:spcAft>
+              <a:buClr>
+                <a:schemeClr val="dk1"/>
+              </a:buClr>
+              <a:buSzPts val="1300"/>
+              <a:buChar char="○"/>
+            </a:pPr>
+            <a:r>
+              <a:rPr lang="en" sz="1300">
+                <a:solidFill>
+                  <a:schemeClr val="dk1"/>
+                </a:solidFill>
+              </a:rPr>
+              <a:t>User can join to get a university specific radio which gives latest updates, news and interesting events from around</a:t>
+            </a:r>
+            <a:endParaRPr sz="1600"/>
+          </a:p>
+        </p:txBody>
+      </p:sp>
+    </p:spTree>
+  </p:cSld>
+  <p:clrMapOvr>
+    <a:masterClrMapping/>
+  </p:clrMapOvr>
+</p:sld>
+</file>
+
+<file path=ppt/slides/slide14.xml><?xml version="1.0" encoding="utf-8"?>
+<p:sld xmlns:a="http://schemas.openxmlformats.org/drawingml/2006/main" xmlns:r="http://schemas.openxmlformats.org/officeDocument/2006/relationships" xmlns:mc="http://schemas.openxmlformats.org/markup-compatibility/2006" xmlns:mv="urn:schemas-microsoft-com:mac:vml" xmlns:p="http://schemas.openxmlformats.org/presentationml/2006/main" xmlns:c="http://schemas.openxmlformats.org/drawingml/2006/chart" xmlns:dgm="http://schemas.openxmlformats.org/drawingml/2006/diagram" xmlns:o="urn:schemas-microsoft-com:office:office" xmlns:v="urn:schemas-microsoft-com:vml" xmlns:pvml="urn:schemas-microsoft-com:office:powerpoint" xmlns:com="http://schemas.openxmlformats.org/drawingml/2006/compatibility" xmlns:p14="http://schemas.microsoft.com/office/powerpoint/2010/main" xmlns:p15="http://schemas.microsoft.com/office/powerpoint/2012/main" xmlns:ahyp="http://schemas.microsoft.com/office/drawing/2018/hyperlinkcolor">
+  <p:cSld>
+    <p:spTree>
+      <p:nvGrpSpPr>
+        <p:cNvPr id="133" name="Shape 133"/>
+        <p:cNvGrpSpPr/>
+        <p:nvPr/>
+      </p:nvGrpSpPr>
+      <p:grpSpPr>
+        <a:xfrm>
+          <a:off x="0" y="0"/>
+          <a:ext cx="0" cy="0"/>
+          <a:chOff x="0" y="0"/>
+          <a:chExt cx="0" cy="0"/>
+        </a:xfrm>
+      </p:grpSpPr>
+      <p:sp>
+        <p:nvSpPr>
+          <p:cNvPr id="134" name="Google Shape;134;p26"/>
+          <p:cNvSpPr txBox="1"/>
+          <p:nvPr>
+            <p:ph type="title"/>
+          </p:nvPr>
+        </p:nvSpPr>
+        <p:spPr>
+          <a:xfrm>
+            <a:off x="311700" y="445025"/>
+            <a:ext cx="8520600" cy="572700"/>
+          </a:xfrm>
+          <a:prstGeom prst="rect">
+            <a:avLst/>
+          </a:prstGeom>
+        </p:spPr>
+        <p:txBody>
+          <a:bodyPr anchorCtr="0" anchor="t" bIns="91425" lIns="91425" spcFirstLastPara="1" rIns="91425" wrap="square" tIns="91425">
+            <a:normAutofit fontScale="90000"/>
+          </a:bodyPr>
+          <a:lstStyle/>
+          <a:p>
+            <a:pPr indent="0" lvl="0" marL="0" rtl="0" algn="l">
+              <a:spcBef>
+                <a:spcPts val="0"/>
+              </a:spcBef>
+              <a:spcAft>
+                <a:spcPts val="0"/>
+              </a:spcAft>
+              <a:buNone/>
+            </a:pPr>
+            <a:r>
+              <a:rPr lang="en"/>
+              <a:t>Conclusion</a:t>
+            </a:r>
+            <a:endParaRPr/>
+          </a:p>
+        </p:txBody>
+      </p:sp>
+      <p:sp>
+        <p:nvSpPr>
+          <p:cNvPr id="135" name="Google Shape;135;p26"/>
+          <p:cNvSpPr txBox="1"/>
+          <p:nvPr>
+            <p:ph idx="1" type="body"/>
+          </p:nvPr>
+        </p:nvSpPr>
+        <p:spPr>
+          <a:xfrm>
+            <a:off x="311700" y="1152475"/>
+            <a:ext cx="8520600" cy="3416400"/>
+          </a:xfrm>
+          <a:prstGeom prst="rect">
+            <a:avLst/>
+          </a:prstGeom>
+        </p:spPr>
+        <p:txBody>
+          <a:bodyPr anchorCtr="0" anchor="t" bIns="91425" lIns="91425" spcFirstLastPara="1" rIns="91425" wrap="square" tIns="91425">
+            <a:normAutofit/>
+          </a:bodyPr>
+          <a:lstStyle/>
+          <a:p>
+            <a:pPr indent="-342900" lvl="0" marL="457200" rtl="0" algn="l">
+              <a:spcBef>
+                <a:spcPts val="0"/>
+              </a:spcBef>
+              <a:spcAft>
+                <a:spcPts val="0"/>
+              </a:spcAft>
+              <a:buSzPts val="1800"/>
+              <a:buAutoNum type="arabicPeriod"/>
+            </a:pPr>
+            <a:r>
+              <a:rPr lang="en"/>
+              <a:t>Summary of Achievements:</a:t>
+            </a:r>
+            <a:endParaRPr/>
+          </a:p>
+          <a:p>
+            <a:pPr indent="-317500" lvl="1" marL="914400" rtl="0" algn="l">
+              <a:spcBef>
+                <a:spcPts val="0"/>
+              </a:spcBef>
+              <a:spcAft>
+                <a:spcPts val="0"/>
+              </a:spcAft>
+              <a:buSzPts val="1400"/>
+              <a:buChar char="○"/>
+            </a:pPr>
+            <a:r>
+              <a:rPr lang="en"/>
+              <a:t>The project successfully developed a secure, real-time chat application tailored to the SJSU community, featuring role-based access control and AI-powered responses.</a:t>
+            </a:r>
+            <a:endParaRPr/>
+          </a:p>
+          <a:p>
+            <a:pPr indent="-342900" lvl="0" marL="457200" rtl="0" algn="l">
+              <a:spcBef>
+                <a:spcPts val="0"/>
+              </a:spcBef>
+              <a:spcAft>
+                <a:spcPts val="0"/>
+              </a:spcAft>
+              <a:buSzPts val="1800"/>
+              <a:buAutoNum type="arabicPeriod"/>
+            </a:pPr>
+            <a:r>
+              <a:rPr lang="en"/>
+              <a:t>Impact on SJSU Community:</a:t>
+            </a:r>
+            <a:endParaRPr/>
+          </a:p>
+          <a:p>
+            <a:pPr indent="-317500" lvl="1" marL="914400" rtl="0" algn="l">
+              <a:spcBef>
+                <a:spcPts val="0"/>
+              </a:spcBef>
+              <a:spcAft>
+                <a:spcPts val="0"/>
+              </a:spcAft>
+              <a:buSzPts val="1400"/>
+              <a:buChar char="○"/>
+            </a:pPr>
+            <a:r>
+              <a:rPr lang="en"/>
+              <a:t>This application addresses inefficiencies in academic communication tools, enhancing information accessibility and collaboration within the university.</a:t>
+            </a:r>
+            <a:endParaRPr/>
+          </a:p>
+          <a:p>
+            <a:pPr indent="-342900" lvl="0" marL="457200" rtl="0" algn="l">
+              <a:spcBef>
+                <a:spcPts val="0"/>
+              </a:spcBef>
+              <a:spcAft>
+                <a:spcPts val="0"/>
+              </a:spcAft>
+              <a:buSzPts val="1800"/>
+              <a:buAutoNum type="arabicPeriod"/>
+            </a:pPr>
+            <a:r>
+              <a:rPr lang="en"/>
+              <a:t>3. Path Forward:</a:t>
+            </a:r>
+            <a:endParaRPr/>
+          </a:p>
+          <a:p>
+            <a:pPr indent="-317500" lvl="1" marL="914400" rtl="0" algn="l">
+              <a:spcBef>
+                <a:spcPts val="0"/>
+              </a:spcBef>
+              <a:spcAft>
+                <a:spcPts val="0"/>
+              </a:spcAft>
+              <a:buSzPts val="1400"/>
+              <a:buChar char="○"/>
+            </a:pPr>
+            <a:r>
+              <a:rPr lang="en"/>
+              <a:t>With the proposed future work, the application has the potential to become an indispensable tool for SJSU students and faculty, continuously evolving to meet their needs.</a:t>
+            </a:r>
+            <a:endParaRPr/>
+          </a:p>
+          <a:p>
+            <a:pPr indent="0" lvl="0" marL="0" rtl="0" algn="l">
+              <a:spcBef>
+                <a:spcPts val="1200"/>
+              </a:spcBef>
+              <a:spcAft>
+                <a:spcPts val="1200"/>
+              </a:spcAft>
+              <a:buNone/>
+            </a:pPr>
+            <a:r>
+              <a:t/>
+            </a:r>
+            <a:endParaRPr/>
+          </a:p>
+        </p:txBody>
+      </p:sp>
+    </p:spTree>
+  </p:cSld>
+  <p:clrMapOvr>
+    <a:masterClrMapping/>
+  </p:clrMapOvr>
+</p:sld>
+</file>
+
 <file path=ppt/slides/slide2.xml><?xml version="1.0" encoding="utf-8"?>
 <p:sld xmlns:a="http://schemas.openxmlformats.org/drawingml/2006/main" xmlns:r="http://schemas.openxmlformats.org/officeDocument/2006/relationships" xmlns:mc="http://schemas.openxmlformats.org/markup-compatibility/2006" xmlns:mv="urn:schemas-microsoft-com:mac:vml" xmlns:p="http://schemas.openxmlformats.org/presentationml/2006/main" xmlns:c="http://schemas.openxmlformats.org/drawingml/2006/chart" xmlns:dgm="http://schemas.openxmlformats.org/drawingml/2006/diagram" xmlns:o="urn:schemas-microsoft-com:office:office" xmlns:v="urn:schemas-microsoft-com:vml" xmlns:pvml="urn:schemas-microsoft-com:office:powerpoint" xmlns:com="http://schemas.openxmlformats.org/drawingml/2006/compatibility" xmlns:p14="http://schemas.microsoft.com/office/powerpoint/2010/main" xmlns:p15="http://schemas.microsoft.com/office/powerpoint/2012/main" xmlns:ahyp="http://schemas.microsoft.com/office/drawing/2018/hyperlinkcolor">
   <p:cSld>
